--- a/Hira samihafa/Nahoana ianao no tsy hidera Azy_Hira SA.pptx
+++ b/Hira samihafa/Nahoana ianao no tsy hidera Azy_Hira SA.pptx
@@ -3486,8 +3486,12 @@
               <a:t> </a:t>
             </a:r>
             <a:r>
+              <a:rPr lang="fr-FR" sz="7200" b="1" dirty="0" smtClean="0"/>
+              <a:t>an-</a:t>
+            </a:r>
+            <a:r>
               <a:rPr lang="fr-FR" sz="7200" b="1" dirty="0" err="1" smtClean="0"/>
-              <a:t>andanitra</a:t>
+              <a:t>danitra</a:t>
             </a:r>
             <a:r>
               <a:rPr lang="fr-FR" sz="7200" b="1" dirty="0" smtClean="0"/>
@@ -3727,6 +3731,13 @@
   <p:clrMapOvr>
     <a:masterClrMapping/>
   </p:clrMapOvr>
+  <p:timing>
+    <p:tnLst>
+      <p:par>
+        <p:cTn id="1" dur="indefinite" restart="never" nodeType="tmRoot"/>
+      </p:par>
+    </p:tnLst>
+  </p:timing>
 </p:sld>
 </file>
 
@@ -3922,6 +3933,13 @@
   <p:clrMapOvr>
     <a:masterClrMapping/>
   </p:clrMapOvr>
+  <p:timing>
+    <p:tnLst>
+      <p:par>
+        <p:cTn id="1" dur="indefinite" restart="never" nodeType="tmRoot"/>
+      </p:par>
+    </p:tnLst>
+  </p:timing>
 </p:sld>
 </file>
 
@@ -4125,6 +4143,13 @@
   <p:clrMapOvr>
     <a:masterClrMapping/>
   </p:clrMapOvr>
+  <p:timing>
+    <p:tnLst>
+      <p:par>
+        <p:cTn id="1" dur="indefinite" restart="never" nodeType="tmRoot"/>
+      </p:par>
+    </p:tnLst>
+  </p:timing>
 </p:sld>
 </file>
 

--- a/Hira samihafa/Nahoana ianao no tsy hidera Azy_Hira SA.pptx
+++ b/Hira samihafa/Nahoana ianao no tsy hidera Azy_Hira SA.pptx
@@ -270,7 +270,7 @@
           <a:p>
             <a:fld id="{675CA5CE-C1D9-4004-ABCE-9037C5BDC15F}" type="datetimeFigureOut">
               <a:rPr lang="fr-FR" smtClean="0"/>
-              <a:t>16/06/2024</a:t>
+              <a:t>08/12/2024</a:t>
             </a:fld>
             <a:endParaRPr lang="fr-FR"/>
           </a:p>
@@ -440,7 +440,7 @@
           <a:p>
             <a:fld id="{675CA5CE-C1D9-4004-ABCE-9037C5BDC15F}" type="datetimeFigureOut">
               <a:rPr lang="fr-FR" smtClean="0"/>
-              <a:t>16/06/2024</a:t>
+              <a:t>08/12/2024</a:t>
             </a:fld>
             <a:endParaRPr lang="fr-FR"/>
           </a:p>
@@ -620,7 +620,7 @@
           <a:p>
             <a:fld id="{675CA5CE-C1D9-4004-ABCE-9037C5BDC15F}" type="datetimeFigureOut">
               <a:rPr lang="fr-FR" smtClean="0"/>
-              <a:t>16/06/2024</a:t>
+              <a:t>08/12/2024</a:t>
             </a:fld>
             <a:endParaRPr lang="fr-FR"/>
           </a:p>
@@ -790,7 +790,7 @@
           <a:p>
             <a:fld id="{675CA5CE-C1D9-4004-ABCE-9037C5BDC15F}" type="datetimeFigureOut">
               <a:rPr lang="fr-FR" smtClean="0"/>
-              <a:t>16/06/2024</a:t>
+              <a:t>08/12/2024</a:t>
             </a:fld>
             <a:endParaRPr lang="fr-FR"/>
           </a:p>
@@ -1036,7 +1036,7 @@
           <a:p>
             <a:fld id="{675CA5CE-C1D9-4004-ABCE-9037C5BDC15F}" type="datetimeFigureOut">
               <a:rPr lang="fr-FR" smtClean="0"/>
-              <a:t>16/06/2024</a:t>
+              <a:t>08/12/2024</a:t>
             </a:fld>
             <a:endParaRPr lang="fr-FR"/>
           </a:p>
@@ -1268,7 +1268,7 @@
           <a:p>
             <a:fld id="{675CA5CE-C1D9-4004-ABCE-9037C5BDC15F}" type="datetimeFigureOut">
               <a:rPr lang="fr-FR" smtClean="0"/>
-              <a:t>16/06/2024</a:t>
+              <a:t>08/12/2024</a:t>
             </a:fld>
             <a:endParaRPr lang="fr-FR"/>
           </a:p>
@@ -1635,7 +1635,7 @@
           <a:p>
             <a:fld id="{675CA5CE-C1D9-4004-ABCE-9037C5BDC15F}" type="datetimeFigureOut">
               <a:rPr lang="fr-FR" smtClean="0"/>
-              <a:t>16/06/2024</a:t>
+              <a:t>08/12/2024</a:t>
             </a:fld>
             <a:endParaRPr lang="fr-FR"/>
           </a:p>
@@ -1753,7 +1753,7 @@
           <a:p>
             <a:fld id="{675CA5CE-C1D9-4004-ABCE-9037C5BDC15F}" type="datetimeFigureOut">
               <a:rPr lang="fr-FR" smtClean="0"/>
-              <a:t>16/06/2024</a:t>
+              <a:t>08/12/2024</a:t>
             </a:fld>
             <a:endParaRPr lang="fr-FR"/>
           </a:p>
@@ -1848,7 +1848,7 @@
           <a:p>
             <a:fld id="{675CA5CE-C1D9-4004-ABCE-9037C5BDC15F}" type="datetimeFigureOut">
               <a:rPr lang="fr-FR" smtClean="0"/>
-              <a:t>16/06/2024</a:t>
+              <a:t>08/12/2024</a:t>
             </a:fld>
             <a:endParaRPr lang="fr-FR"/>
           </a:p>
@@ -2125,7 +2125,7 @@
           <a:p>
             <a:fld id="{675CA5CE-C1D9-4004-ABCE-9037C5BDC15F}" type="datetimeFigureOut">
               <a:rPr lang="fr-FR" smtClean="0"/>
-              <a:t>16/06/2024</a:t>
+              <a:t>08/12/2024</a:t>
             </a:fld>
             <a:endParaRPr lang="fr-FR"/>
           </a:p>
@@ -2378,7 +2378,7 @@
           <a:p>
             <a:fld id="{675CA5CE-C1D9-4004-ABCE-9037C5BDC15F}" type="datetimeFigureOut">
               <a:rPr lang="fr-FR" smtClean="0"/>
-              <a:t>16/06/2024</a:t>
+              <a:t>08/12/2024</a:t>
             </a:fld>
             <a:endParaRPr lang="fr-FR"/>
           </a:p>
@@ -2591,7 +2591,7 @@
           <a:p>
             <a:fld id="{675CA5CE-C1D9-4004-ABCE-9037C5BDC15F}" type="datetimeFigureOut">
               <a:rPr lang="fr-FR" smtClean="0"/>
-              <a:t>16/06/2024</a:t>
+              <a:t>08/12/2024</a:t>
             </a:fld>
             <a:endParaRPr lang="fr-FR"/>
           </a:p>
@@ -3045,11 +3045,7 @@
             </a:r>
             <a:r>
               <a:rPr lang="fr-FR" sz="7200" b="1" dirty="0" smtClean="0"/>
-              <a:t> </a:t>
-            </a:r>
-            <a:r>
-              <a:rPr lang="fr-FR" sz="7200" b="1" dirty="0" smtClean="0"/>
-              <a:t>an-</a:t>
+              <a:t> an-</a:t>
             </a:r>
             <a:r>
               <a:rPr lang="fr-FR" sz="7200" b="1" dirty="0" err="1" smtClean="0"/>
@@ -3330,7 +3326,6 @@
               <a:rPr lang="fr-FR" sz="9600" b="1" dirty="0"/>
               <a:t>in-2)</a:t>
             </a:r>
-            <a:endParaRPr lang="fr-FR" sz="9600" b="1" dirty="0"/>
           </a:p>
         </p:txBody>
       </p:sp>
@@ -3483,11 +3478,7 @@
             </a:r>
             <a:r>
               <a:rPr lang="fr-FR" sz="7200" b="1" dirty="0" smtClean="0"/>
-              <a:t> </a:t>
-            </a:r>
-            <a:r>
-              <a:rPr lang="fr-FR" sz="7200" b="1" dirty="0" smtClean="0"/>
-              <a:t>an-</a:t>
+              <a:t> an-</a:t>
             </a:r>
             <a:r>
               <a:rPr lang="fr-FR" sz="7200" b="1" dirty="0" err="1" smtClean="0"/>
@@ -3717,7 +3708,6 @@
               <a:rPr lang="fr-FR" sz="9600" b="1" dirty="0"/>
               <a:t>in-2)</a:t>
             </a:r>
-            <a:endParaRPr lang="fr-FR" sz="9600" b="1" dirty="0"/>
           </a:p>
         </p:txBody>
       </p:sp>
@@ -3813,7 +3803,6 @@
               <a:rPr lang="fr-FR" sz="7200" b="1" dirty="0" smtClean="0"/>
               <a:t>Montagnes et collines, </a:t>
             </a:r>
-            <a:endParaRPr lang="fr-FR" sz="7200" b="1" dirty="0" smtClean="0"/>
           </a:p>
           <a:p>
             <a:pPr algn="ctr"/>
@@ -3821,7 +3810,6 @@
               <a:rPr lang="fr-FR" sz="7200" b="1" dirty="0" smtClean="0"/>
               <a:t>louent Jésus</a:t>
             </a:r>
-            <a:endParaRPr lang="fr-FR" sz="7200" b="1" dirty="0" smtClean="0"/>
           </a:p>
         </p:txBody>
       </p:sp>
@@ -3919,7 +3907,6 @@
               <a:rPr lang="fr-FR" sz="9600" b="1" dirty="0"/>
               <a:t>ne loues-tu pas? (2fois)</a:t>
             </a:r>
-            <a:endParaRPr lang="fr-FR" sz="9600" b="1" dirty="0"/>
           </a:p>
         </p:txBody>
       </p:sp>
@@ -3989,11 +3976,7 @@
             </a:r>
             <a:r>
               <a:rPr lang="fr-FR" sz="7200" b="1" dirty="0" smtClean="0"/>
-              <a:t>) </a:t>
-            </a:r>
-            <a:r>
-              <a:rPr lang="fr-FR" sz="7200" b="1" dirty="0" smtClean="0"/>
-              <a:t>Les oiseaux dans le ciel, </a:t>
+              <a:t>) Les oiseaux dans le ciel, </a:t>
             </a:r>
           </a:p>
           <a:p>
@@ -4023,7 +4006,6 @@
               <a:rPr lang="fr-FR" sz="7200" b="1" dirty="0" smtClean="0"/>
               <a:t>Montagnes et collines, </a:t>
             </a:r>
-            <a:endParaRPr lang="fr-FR" sz="7200" b="1" dirty="0" smtClean="0"/>
           </a:p>
           <a:p>
             <a:pPr algn="ctr"/>
@@ -4031,7 +4013,6 @@
               <a:rPr lang="fr-FR" sz="7200" b="1" dirty="0" smtClean="0"/>
               <a:t>louent Jésus</a:t>
             </a:r>
-            <a:endParaRPr lang="fr-FR" sz="7200" b="1" dirty="0" smtClean="0"/>
           </a:p>
         </p:txBody>
       </p:sp>
@@ -4129,7 +4110,6 @@
               <a:rPr lang="fr-FR" sz="9600" b="1" dirty="0"/>
               <a:t>ne loues-tu pas? (2fois)</a:t>
             </a:r>
-            <a:endParaRPr lang="fr-FR" sz="9600" b="1" dirty="0"/>
           </a:p>
         </p:txBody>
       </p:sp>
